--- a/Week10/W10.01. Week 4 Overview.pptx
+++ b/Week10/W10.01. Week 4 Overview.pptx
@@ -122,6 +122,80 @@
 </p:presentation>
 </file>
 
+<file path=ppt/changesInfos/changesInfo1.xml><?xml version="1.0" encoding="utf-8"?>
+<pc:chgInfo xmlns:a="http://schemas.openxmlformats.org/drawingml/2006/main" xmlns:r="http://schemas.openxmlformats.org/officeDocument/2006/relationships" xmlns:ac="http://schemas.microsoft.com/office/drawing/2013/main/command" xmlns:pc="http://schemas.microsoft.com/office/powerpoint/2013/main/command">
+  <pc:docChgLst>
+    <pc:chgData name="Chuck Kiefriter" userId="a996b49251c4dfd2" providerId="LiveId" clId="{56EA21C5-822E-4287-9549-C36FF8E1FD4F}"/>
+    <pc:docChg chg="modSld">
+      <pc:chgData name="Chuck Kiefriter" userId="a996b49251c4dfd2" providerId="LiveId" clId="{56EA21C5-822E-4287-9549-C36FF8E1FD4F}" dt="2024-04-10T22:29:57.766" v="4" actId="14100"/>
+      <pc:docMkLst>
+        <pc:docMk/>
+      </pc:docMkLst>
+      <pc:sldChg chg="modSp mod">
+        <pc:chgData name="Chuck Kiefriter" userId="a996b49251c4dfd2" providerId="LiveId" clId="{56EA21C5-822E-4287-9549-C36FF8E1FD4F}" dt="2024-04-10T22:28:53.639" v="0" actId="14100"/>
+        <pc:sldMkLst>
+          <pc:docMk/>
+          <pc:sldMk cId="3646223644" sldId="261"/>
+        </pc:sldMkLst>
+        <pc:spChg chg="mod">
+          <ac:chgData name="Chuck Kiefriter" userId="a996b49251c4dfd2" providerId="LiveId" clId="{56EA21C5-822E-4287-9549-C36FF8E1FD4F}" dt="2024-04-10T22:28:53.639" v="0" actId="14100"/>
+          <ac:spMkLst>
+            <pc:docMk/>
+            <pc:sldMk cId="3646223644" sldId="261"/>
+            <ac:spMk id="3" creationId="{3BA7B180-F628-4244-AA00-CA4A81B6C476}"/>
+          </ac:spMkLst>
+        </pc:spChg>
+      </pc:sldChg>
+      <pc:sldChg chg="modSp mod">
+        <pc:chgData name="Chuck Kiefriter" userId="a996b49251c4dfd2" providerId="LiveId" clId="{56EA21C5-822E-4287-9549-C36FF8E1FD4F}" dt="2024-04-10T22:29:32.517" v="1" actId="14100"/>
+        <pc:sldMkLst>
+          <pc:docMk/>
+          <pc:sldMk cId="2798708637" sldId="271"/>
+        </pc:sldMkLst>
+        <pc:spChg chg="mod">
+          <ac:chgData name="Chuck Kiefriter" userId="a996b49251c4dfd2" providerId="LiveId" clId="{56EA21C5-822E-4287-9549-C36FF8E1FD4F}" dt="2024-04-10T22:29:32.517" v="1" actId="14100"/>
+          <ac:spMkLst>
+            <pc:docMk/>
+            <pc:sldMk cId="2798708637" sldId="271"/>
+            <ac:spMk id="3" creationId="{EF7AD770-A7C7-4325-B672-9B73A0DE37F2}"/>
+          </ac:spMkLst>
+        </pc:spChg>
+      </pc:sldChg>
+      <pc:sldChg chg="modSp mod">
+        <pc:chgData name="Chuck Kiefriter" userId="a996b49251c4dfd2" providerId="LiveId" clId="{56EA21C5-822E-4287-9549-C36FF8E1FD4F}" dt="2024-04-10T22:29:45.417" v="3" actId="14100"/>
+        <pc:sldMkLst>
+          <pc:docMk/>
+          <pc:sldMk cId="3716432471" sldId="272"/>
+        </pc:sldMkLst>
+        <pc:spChg chg="mod">
+          <ac:chgData name="Chuck Kiefriter" userId="a996b49251c4dfd2" providerId="LiveId" clId="{56EA21C5-822E-4287-9549-C36FF8E1FD4F}" dt="2024-04-10T22:29:45.417" v="3" actId="14100"/>
+          <ac:spMkLst>
+            <pc:docMk/>
+            <pc:sldMk cId="3716432471" sldId="272"/>
+            <ac:spMk id="3" creationId="{99A830E0-D4B2-41D4-8F9A-2E1C5829DCE3}"/>
+          </ac:spMkLst>
+        </pc:spChg>
+      </pc:sldChg>
+      <pc:sldChg chg="modSp mod">
+        <pc:chgData name="Chuck Kiefriter" userId="a996b49251c4dfd2" providerId="LiveId" clId="{56EA21C5-822E-4287-9549-C36FF8E1FD4F}" dt="2024-04-10T22:29:57.766" v="4" actId="14100"/>
+        <pc:sldMkLst>
+          <pc:docMk/>
+          <pc:sldMk cId="2266203223" sldId="273"/>
+        </pc:sldMkLst>
+        <pc:spChg chg="mod">
+          <ac:chgData name="Chuck Kiefriter" userId="a996b49251c4dfd2" providerId="LiveId" clId="{56EA21C5-822E-4287-9549-C36FF8E1FD4F}" dt="2024-04-10T22:29:57.766" v="4" actId="14100"/>
+          <ac:spMkLst>
+            <pc:docMk/>
+            <pc:sldMk cId="2266203223" sldId="273"/>
+            <ac:spMk id="3" creationId="{8B0A2882-43DA-4B8D-BD80-F831DF91BB5A}"/>
+          </ac:spMkLst>
+        </pc:spChg>
+      </pc:sldChg>
+    </pc:docChg>
+  </pc:docChgLst>
+</pc:chgInfo>
+</file>
+
 <file path=ppt/notesMasters/notesMaster1.xml><?xml version="1.0" encoding="utf-8"?>
 <p:notesMaster xmlns:a="http://schemas.openxmlformats.org/drawingml/2006/main" xmlns:r="http://schemas.openxmlformats.org/officeDocument/2006/relationships" xmlns:p="http://schemas.openxmlformats.org/presentationml/2006/main">
   <p:cSld>
@@ -204,7 +278,7 @@
           <a:p>
             <a:fld id="{BF1BC3E4-C956-40CB-AFCD-8F927AFF366E}" type="datetimeFigureOut">
               <a:rPr lang="en-US" smtClean="0"/>
-              <a:t>1/17/2022</a:t>
+              <a:t>4/10/2024</a:t>
             </a:fld>
             <a:endParaRPr lang="en-US"/>
           </a:p>
@@ -715,7 +789,7 @@
           <a:p>
             <a:fld id="{548C5E67-172B-4F6A-B3B9-DEF72F952E5B}" type="datetimeFigureOut">
               <a:rPr lang="en-US" smtClean="0"/>
-              <a:t>1/17/2022</a:t>
+              <a:t>4/10/2024</a:t>
             </a:fld>
             <a:endParaRPr lang="en-US"/>
           </a:p>
@@ -919,7 +993,7 @@
           <a:p>
             <a:fld id="{548C5E67-172B-4F6A-B3B9-DEF72F952E5B}" type="datetimeFigureOut">
               <a:rPr lang="en-US" smtClean="0"/>
-              <a:t>1/17/2022</a:t>
+              <a:t>4/10/2024</a:t>
             </a:fld>
             <a:endParaRPr lang="en-US"/>
           </a:p>
@@ -1113,7 +1187,7 @@
           <a:p>
             <a:fld id="{548C5E67-172B-4F6A-B3B9-DEF72F952E5B}" type="datetimeFigureOut">
               <a:rPr lang="en-US" smtClean="0"/>
-              <a:t>1/17/2022</a:t>
+              <a:t>4/10/2024</a:t>
             </a:fld>
             <a:endParaRPr lang="en-US"/>
           </a:p>
@@ -2158,7 +2232,7 @@
           <a:p>
             <a:fld id="{548C5E67-172B-4F6A-B3B9-DEF72F952E5B}" type="datetimeFigureOut">
               <a:rPr lang="en-US" smtClean="0"/>
-              <a:t>1/17/2022</a:t>
+              <a:t>4/10/2024</a:t>
             </a:fld>
             <a:endParaRPr lang="en-US"/>
           </a:p>
@@ -2439,7 +2513,7 @@
           <a:p>
             <a:fld id="{548C5E67-172B-4F6A-B3B9-DEF72F952E5B}" type="datetimeFigureOut">
               <a:rPr lang="en-US" smtClean="0"/>
-              <a:t>1/17/2022</a:t>
+              <a:t>4/10/2024</a:t>
             </a:fld>
             <a:endParaRPr lang="en-US"/>
           </a:p>
@@ -3096,7 +3170,7 @@
         <p:spPr>
           <a:xfrm>
             <a:off x="838200" y="1825625"/>
-            <a:ext cx="6464300" cy="4351338"/>
+            <a:ext cx="10728960" cy="4351338"/>
           </a:xfrm>
         </p:spPr>
         <p:txBody>
@@ -3138,13 +3212,13 @@
   <p:clrMapOvr>
     <a:masterClrMapping/>
   </p:clrMapOvr>
-  <mc:AlternateContent xmlns:mc="http://schemas.openxmlformats.org/markup-compatibility/2006">
-    <mc:Choice xmlns:p14="http://schemas.microsoft.com/office/powerpoint/2010/main" Requires="p14">
+  <mc:AlternateContent xmlns:mc="http://schemas.openxmlformats.org/markup-compatibility/2006" xmlns:p14="http://schemas.microsoft.com/office/powerpoint/2010/main">
+    <mc:Choice Requires="p14">
       <p:transition spd="med" p14:dur="700">
         <p:fade/>
       </p:transition>
     </mc:Choice>
-    <mc:Fallback>
+    <mc:Fallback xmlns="">
       <p:transition spd="med">
         <p:fade/>
       </p:transition>
@@ -3285,13 +3359,13 @@
   <p:clrMapOvr>
     <a:masterClrMapping/>
   </p:clrMapOvr>
-  <mc:AlternateContent xmlns:mc="http://schemas.openxmlformats.org/markup-compatibility/2006">
-    <mc:Choice xmlns:p14="http://schemas.microsoft.com/office/powerpoint/2010/main" Requires="p14">
+  <mc:AlternateContent xmlns:mc="http://schemas.openxmlformats.org/markup-compatibility/2006" xmlns:p14="http://schemas.microsoft.com/office/powerpoint/2010/main">
+    <mc:Choice Requires="p14">
       <p:transition spd="med" p14:dur="700">
         <p:fade/>
       </p:transition>
     </mc:Choice>
-    <mc:Fallback>
+    <mc:Fallback xmlns="">
       <p:transition spd="med">
         <p:fade/>
       </p:transition>
@@ -3394,13 +3468,13 @@
   <p:clrMapOvr>
     <a:masterClrMapping/>
   </p:clrMapOvr>
-  <mc:AlternateContent xmlns:mc="http://schemas.openxmlformats.org/markup-compatibility/2006">
-    <mc:Choice xmlns:p14="http://schemas.microsoft.com/office/powerpoint/2010/main" Requires="p14">
+  <mc:AlternateContent xmlns:mc="http://schemas.openxmlformats.org/markup-compatibility/2006" xmlns:p14="http://schemas.microsoft.com/office/powerpoint/2010/main">
+    <mc:Choice Requires="p14">
       <p:transition spd="med" p14:dur="700">
         <p:fade/>
       </p:transition>
     </mc:Choice>
-    <mc:Fallback>
+    <mc:Fallback xmlns="">
       <p:transition spd="med">
         <p:fade/>
       </p:transition>
@@ -3560,13 +3634,13 @@
   <p:clrMapOvr>
     <a:masterClrMapping/>
   </p:clrMapOvr>
-  <mc:AlternateContent xmlns:mc="http://schemas.openxmlformats.org/markup-compatibility/2006">
-    <mc:Choice xmlns:p14="http://schemas.microsoft.com/office/powerpoint/2010/main" Requires="p14">
+  <mc:AlternateContent xmlns:mc="http://schemas.openxmlformats.org/markup-compatibility/2006" xmlns:p14="http://schemas.microsoft.com/office/powerpoint/2010/main">
+    <mc:Choice Requires="p14">
       <p:transition spd="med" p14:dur="700">
         <p:fade/>
       </p:transition>
     </mc:Choice>
-    <mc:Fallback>
+    <mc:Fallback xmlns="">
       <p:transition spd="med">
         <p:fade/>
       </p:transition>
@@ -3639,7 +3713,7 @@
         <p:spPr>
           <a:xfrm>
             <a:off x="838200" y="1825625"/>
-            <a:ext cx="6121400" cy="4351338"/>
+            <a:ext cx="8095488" cy="4351338"/>
           </a:xfrm>
         </p:spPr>
         <p:txBody>
@@ -3763,13 +3837,13 @@
   <p:clrMapOvr>
     <a:masterClrMapping/>
   </p:clrMapOvr>
-  <mc:AlternateContent xmlns:mc="http://schemas.openxmlformats.org/markup-compatibility/2006">
-    <mc:Choice xmlns:p14="http://schemas.microsoft.com/office/powerpoint/2010/main" Requires="p14">
+  <mc:AlternateContent xmlns:mc="http://schemas.openxmlformats.org/markup-compatibility/2006" xmlns:p14="http://schemas.microsoft.com/office/powerpoint/2010/main">
+    <mc:Choice Requires="p14">
       <p:transition spd="med" p14:dur="700">
         <p:fade/>
       </p:transition>
     </mc:Choice>
-    <mc:Fallback>
+    <mc:Fallback xmlns="">
       <p:transition spd="med">
         <p:fade/>
       </p:transition>
@@ -3841,8 +3915,8 @@
         </p:nvSpPr>
         <p:spPr>
           <a:xfrm>
-            <a:off x="838200" y="1825625"/>
-            <a:ext cx="5892800" cy="4351338"/>
+            <a:off x="673608" y="1690688"/>
+            <a:ext cx="10107168" cy="4351338"/>
           </a:xfrm>
         </p:spPr>
         <p:txBody>
@@ -3944,13 +4018,13 @@
   <p:clrMapOvr>
     <a:masterClrMapping/>
   </p:clrMapOvr>
-  <mc:AlternateContent xmlns:mc="http://schemas.openxmlformats.org/markup-compatibility/2006">
-    <mc:Choice xmlns:p14="http://schemas.microsoft.com/office/powerpoint/2010/main" Requires="p14">
+  <mc:AlternateContent xmlns:mc="http://schemas.openxmlformats.org/markup-compatibility/2006" xmlns:p14="http://schemas.microsoft.com/office/powerpoint/2010/main">
+    <mc:Choice Requires="p14">
       <p:transition spd="med" p14:dur="700">
         <p:fade/>
       </p:transition>
     </mc:Choice>
-    <mc:Fallback>
+    <mc:Fallback xmlns="">
       <p:transition spd="med">
         <p:fade/>
       </p:transition>
@@ -4023,7 +4097,7 @@
         <p:spPr>
           <a:xfrm>
             <a:off x="838200" y="1825625"/>
-            <a:ext cx="5778500" cy="4351338"/>
+            <a:ext cx="8424672" cy="4351338"/>
           </a:xfrm>
         </p:spPr>
         <p:txBody>
@@ -4086,13 +4160,13 @@
   <p:clrMapOvr>
     <a:masterClrMapping/>
   </p:clrMapOvr>
-  <mc:AlternateContent xmlns:mc="http://schemas.openxmlformats.org/markup-compatibility/2006">
-    <mc:Choice xmlns:p14="http://schemas.microsoft.com/office/powerpoint/2010/main" Requires="p14">
+  <mc:AlternateContent xmlns:mc="http://schemas.openxmlformats.org/markup-compatibility/2006" xmlns:p14="http://schemas.microsoft.com/office/powerpoint/2010/main">
+    <mc:Choice Requires="p14">
       <p:transition spd="med" p14:dur="700">
         <p:fade/>
       </p:transition>
     </mc:Choice>
-    <mc:Fallback>
+    <mc:Fallback xmlns="">
       <p:transition spd="med">
         <p:fade/>
       </p:transition>
